--- a/BTP_Files/PPT/Clipboard.pptx
+++ b/BTP_Files/PPT/Clipboard.pptx
@@ -263,7 +263,7 @@
           <a:p>
             <a:fld id="{6A695379-36D5-4725-B5B2-672C989C5196}" type="datetimeFigureOut">
               <a:rPr lang="en-IN" smtClean="0"/>
-              <a:t>10-11-2021</a:t>
+              <a:t>11-11-2021</a:t>
             </a:fld>
             <a:endParaRPr lang="en-IN"/>
           </a:p>
@@ -463,7 +463,7 @@
           <a:p>
             <a:fld id="{6A695379-36D5-4725-B5B2-672C989C5196}" type="datetimeFigureOut">
               <a:rPr lang="en-IN" smtClean="0"/>
-              <a:t>10-11-2021</a:t>
+              <a:t>11-11-2021</a:t>
             </a:fld>
             <a:endParaRPr lang="en-IN"/>
           </a:p>
@@ -673,7 +673,7 @@
           <a:p>
             <a:fld id="{6A695379-36D5-4725-B5B2-672C989C5196}" type="datetimeFigureOut">
               <a:rPr lang="en-IN" smtClean="0"/>
-              <a:t>10-11-2021</a:t>
+              <a:t>11-11-2021</a:t>
             </a:fld>
             <a:endParaRPr lang="en-IN"/>
           </a:p>
@@ -873,7 +873,7 @@
           <a:p>
             <a:fld id="{6A695379-36D5-4725-B5B2-672C989C5196}" type="datetimeFigureOut">
               <a:rPr lang="en-IN" smtClean="0"/>
-              <a:t>10-11-2021</a:t>
+              <a:t>11-11-2021</a:t>
             </a:fld>
             <a:endParaRPr lang="en-IN"/>
           </a:p>
@@ -1149,7 +1149,7 @@
           <a:p>
             <a:fld id="{6A695379-36D5-4725-B5B2-672C989C5196}" type="datetimeFigureOut">
               <a:rPr lang="en-IN" smtClean="0"/>
-              <a:t>10-11-2021</a:t>
+              <a:t>11-11-2021</a:t>
             </a:fld>
             <a:endParaRPr lang="en-IN"/>
           </a:p>
@@ -1417,7 +1417,7 @@
           <a:p>
             <a:fld id="{6A695379-36D5-4725-B5B2-672C989C5196}" type="datetimeFigureOut">
               <a:rPr lang="en-IN" smtClean="0"/>
-              <a:t>10-11-2021</a:t>
+              <a:t>11-11-2021</a:t>
             </a:fld>
             <a:endParaRPr lang="en-IN"/>
           </a:p>
@@ -1832,7 +1832,7 @@
           <a:p>
             <a:fld id="{6A695379-36D5-4725-B5B2-672C989C5196}" type="datetimeFigureOut">
               <a:rPr lang="en-IN" smtClean="0"/>
-              <a:t>10-11-2021</a:t>
+              <a:t>11-11-2021</a:t>
             </a:fld>
             <a:endParaRPr lang="en-IN"/>
           </a:p>
@@ -1974,7 +1974,7 @@
           <a:p>
             <a:fld id="{6A695379-36D5-4725-B5B2-672C989C5196}" type="datetimeFigureOut">
               <a:rPr lang="en-IN" smtClean="0"/>
-              <a:t>10-11-2021</a:t>
+              <a:t>11-11-2021</a:t>
             </a:fld>
             <a:endParaRPr lang="en-IN"/>
           </a:p>
@@ -2087,7 +2087,7 @@
           <a:p>
             <a:fld id="{6A695379-36D5-4725-B5B2-672C989C5196}" type="datetimeFigureOut">
               <a:rPr lang="en-IN" smtClean="0"/>
-              <a:t>10-11-2021</a:t>
+              <a:t>11-11-2021</a:t>
             </a:fld>
             <a:endParaRPr lang="en-IN"/>
           </a:p>
@@ -2400,7 +2400,7 @@
           <a:p>
             <a:fld id="{6A695379-36D5-4725-B5B2-672C989C5196}" type="datetimeFigureOut">
               <a:rPr lang="en-IN" smtClean="0"/>
-              <a:t>10-11-2021</a:t>
+              <a:t>11-11-2021</a:t>
             </a:fld>
             <a:endParaRPr lang="en-IN"/>
           </a:p>
@@ -2689,7 +2689,7 @@
           <a:p>
             <a:fld id="{6A695379-36D5-4725-B5B2-672C989C5196}" type="datetimeFigureOut">
               <a:rPr lang="en-IN" smtClean="0"/>
-              <a:t>10-11-2021</a:t>
+              <a:t>11-11-2021</a:t>
             </a:fld>
             <a:endParaRPr lang="en-IN"/>
           </a:p>
@@ -2932,7 +2932,7 @@
           <a:p>
             <a:fld id="{6A695379-36D5-4725-B5B2-672C989C5196}" type="datetimeFigureOut">
               <a:rPr lang="en-IN" smtClean="0"/>
-              <a:t>10-11-2021</a:t>
+              <a:t>11-11-2021</a:t>
             </a:fld>
             <a:endParaRPr lang="en-IN"/>
           </a:p>
@@ -3701,6 +3701,42 @@
           </a:ln>
         </p:spPr>
       </p:pic>
+      <p:pic>
+        <p:nvPicPr>
+          <p:cNvPr id="6" name="Picture 5">
+            <a:extLst>
+              <a:ext uri="{FF2B5EF4-FFF2-40B4-BE49-F238E27FC236}">
+                <a16:creationId xmlns:a16="http://schemas.microsoft.com/office/drawing/2014/main" id="{A4D11B7C-5BDB-4AF4-AE1B-9543A594C530}"/>
+              </a:ext>
+            </a:extLst>
+          </p:cNvPr>
+          <p:cNvPicPr>
+            <a:picLocks noChangeAspect="1"/>
+          </p:cNvPicPr>
+          <p:nvPr/>
+        </p:nvPicPr>
+        <p:blipFill>
+          <a:blip r:embed="rId3">
+            <a:extLst>
+              <a:ext uri="{28A0092B-C50C-407E-A947-70E740481C1C}">
+                <a14:useLocalDpi xmlns:a14="http://schemas.microsoft.com/office/drawing/2010/main" val="0"/>
+              </a:ext>
+            </a:extLst>
+          </a:blip>
+          <a:stretch>
+            <a:fillRect/>
+          </a:stretch>
+        </p:blipFill>
+        <p:spPr>
+          <a:xfrm>
+            <a:off x="6096000" y="783493"/>
+            <a:ext cx="4908303" cy="2804745"/>
+          </a:xfrm>
+          <a:prstGeom prst="rect">
+            <a:avLst/>
+          </a:prstGeom>
+        </p:spPr>
+      </p:pic>
     </p:spTree>
     <p:extLst>
       <p:ext uri="{BB962C8B-B14F-4D97-AF65-F5344CB8AC3E}">

--- a/BTP_Files/PPT/Clipboard.pptx
+++ b/BTP_Files/PPT/Clipboard.pptx
@@ -263,7 +263,7 @@
           <a:p>
             <a:fld id="{6A695379-36D5-4725-B5B2-672C989C5196}" type="datetimeFigureOut">
               <a:rPr lang="en-IN" smtClean="0"/>
-              <a:t>11-11-2021</a:t>
+              <a:t>14-11-2021</a:t>
             </a:fld>
             <a:endParaRPr lang="en-IN"/>
           </a:p>
@@ -463,7 +463,7 @@
           <a:p>
             <a:fld id="{6A695379-36D5-4725-B5B2-672C989C5196}" type="datetimeFigureOut">
               <a:rPr lang="en-IN" smtClean="0"/>
-              <a:t>11-11-2021</a:t>
+              <a:t>14-11-2021</a:t>
             </a:fld>
             <a:endParaRPr lang="en-IN"/>
           </a:p>
@@ -673,7 +673,7 @@
           <a:p>
             <a:fld id="{6A695379-36D5-4725-B5B2-672C989C5196}" type="datetimeFigureOut">
               <a:rPr lang="en-IN" smtClean="0"/>
-              <a:t>11-11-2021</a:t>
+              <a:t>14-11-2021</a:t>
             </a:fld>
             <a:endParaRPr lang="en-IN"/>
           </a:p>
@@ -873,7 +873,7 @@
           <a:p>
             <a:fld id="{6A695379-36D5-4725-B5B2-672C989C5196}" type="datetimeFigureOut">
               <a:rPr lang="en-IN" smtClean="0"/>
-              <a:t>11-11-2021</a:t>
+              <a:t>14-11-2021</a:t>
             </a:fld>
             <a:endParaRPr lang="en-IN"/>
           </a:p>
@@ -1149,7 +1149,7 @@
           <a:p>
             <a:fld id="{6A695379-36D5-4725-B5B2-672C989C5196}" type="datetimeFigureOut">
               <a:rPr lang="en-IN" smtClean="0"/>
-              <a:t>11-11-2021</a:t>
+              <a:t>14-11-2021</a:t>
             </a:fld>
             <a:endParaRPr lang="en-IN"/>
           </a:p>
@@ -1417,7 +1417,7 @@
           <a:p>
             <a:fld id="{6A695379-36D5-4725-B5B2-672C989C5196}" type="datetimeFigureOut">
               <a:rPr lang="en-IN" smtClean="0"/>
-              <a:t>11-11-2021</a:t>
+              <a:t>14-11-2021</a:t>
             </a:fld>
             <a:endParaRPr lang="en-IN"/>
           </a:p>
@@ -1832,7 +1832,7 @@
           <a:p>
             <a:fld id="{6A695379-36D5-4725-B5B2-672C989C5196}" type="datetimeFigureOut">
               <a:rPr lang="en-IN" smtClean="0"/>
-              <a:t>11-11-2021</a:t>
+              <a:t>14-11-2021</a:t>
             </a:fld>
             <a:endParaRPr lang="en-IN"/>
           </a:p>
@@ -1974,7 +1974,7 @@
           <a:p>
             <a:fld id="{6A695379-36D5-4725-B5B2-672C989C5196}" type="datetimeFigureOut">
               <a:rPr lang="en-IN" smtClean="0"/>
-              <a:t>11-11-2021</a:t>
+              <a:t>14-11-2021</a:t>
             </a:fld>
             <a:endParaRPr lang="en-IN"/>
           </a:p>
@@ -2087,7 +2087,7 @@
           <a:p>
             <a:fld id="{6A695379-36D5-4725-B5B2-672C989C5196}" type="datetimeFigureOut">
               <a:rPr lang="en-IN" smtClean="0"/>
-              <a:t>11-11-2021</a:t>
+              <a:t>14-11-2021</a:t>
             </a:fld>
             <a:endParaRPr lang="en-IN"/>
           </a:p>
@@ -2400,7 +2400,7 @@
           <a:p>
             <a:fld id="{6A695379-36D5-4725-B5B2-672C989C5196}" type="datetimeFigureOut">
               <a:rPr lang="en-IN" smtClean="0"/>
-              <a:t>11-11-2021</a:t>
+              <a:t>14-11-2021</a:t>
             </a:fld>
             <a:endParaRPr lang="en-IN"/>
           </a:p>
@@ -2689,7 +2689,7 @@
           <a:p>
             <a:fld id="{6A695379-36D5-4725-B5B2-672C989C5196}" type="datetimeFigureOut">
               <a:rPr lang="en-IN" smtClean="0"/>
-              <a:t>11-11-2021</a:t>
+              <a:t>14-11-2021</a:t>
             </a:fld>
             <a:endParaRPr lang="en-IN"/>
           </a:p>
@@ -2932,7 +2932,7 @@
           <a:p>
             <a:fld id="{6A695379-36D5-4725-B5B2-672C989C5196}" type="datetimeFigureOut">
               <a:rPr lang="en-IN" smtClean="0"/>
-              <a:t>11-11-2021</a:t>
+              <a:t>14-11-2021</a:t>
             </a:fld>
             <a:endParaRPr lang="en-IN"/>
           </a:p>
